--- a/Trunk/bre/MyBRE/MyBRE.pptx
+++ b/Trunk/bre/MyBRE/MyBRE.pptx
@@ -215,7 +215,7 @@
           <a:p>
             <a:fld id="{EDA886C8-51DF-4DF6-B496-49F0A8279261}" type="datetimeFigureOut">
               <a:rPr lang="en-US" smtClean="0"/>
-              <a:t>7/1/2011</a:t>
+              <a:t>7/20/2011</a:t>
             </a:fld>
             <a:endParaRPr lang="en-US"/>
           </a:p>
@@ -856,7 +856,7 @@
           <a:p>
             <a:fld id="{82C9C69D-79B9-4A42-AE88-4729EF7723D1}" type="datetimeFigureOut">
               <a:rPr lang="en-US" smtClean="0"/>
-              <a:t>7/1/2011</a:t>
+              <a:t>7/20/2011</a:t>
             </a:fld>
             <a:endParaRPr lang="en-US"/>
           </a:p>
@@ -1026,7 +1026,7 @@
           <a:p>
             <a:fld id="{82C9C69D-79B9-4A42-AE88-4729EF7723D1}" type="datetimeFigureOut">
               <a:rPr lang="en-US" smtClean="0"/>
-              <a:t>7/1/2011</a:t>
+              <a:t>7/20/2011</a:t>
             </a:fld>
             <a:endParaRPr lang="en-US"/>
           </a:p>
@@ -1206,7 +1206,7 @@
           <a:p>
             <a:fld id="{82C9C69D-79B9-4A42-AE88-4729EF7723D1}" type="datetimeFigureOut">
               <a:rPr lang="en-US" smtClean="0"/>
-              <a:t>7/1/2011</a:t>
+              <a:t>7/20/2011</a:t>
             </a:fld>
             <a:endParaRPr lang="en-US"/>
           </a:p>
@@ -1376,7 +1376,7 @@
           <a:p>
             <a:fld id="{82C9C69D-79B9-4A42-AE88-4729EF7723D1}" type="datetimeFigureOut">
               <a:rPr lang="en-US" smtClean="0"/>
-              <a:t>7/1/2011</a:t>
+              <a:t>7/20/2011</a:t>
             </a:fld>
             <a:endParaRPr lang="en-US"/>
           </a:p>
@@ -1622,7 +1622,7 @@
           <a:p>
             <a:fld id="{82C9C69D-79B9-4A42-AE88-4729EF7723D1}" type="datetimeFigureOut">
               <a:rPr lang="en-US" smtClean="0"/>
-              <a:t>7/1/2011</a:t>
+              <a:t>7/20/2011</a:t>
             </a:fld>
             <a:endParaRPr lang="en-US"/>
           </a:p>
@@ -1910,7 +1910,7 @@
           <a:p>
             <a:fld id="{82C9C69D-79B9-4A42-AE88-4729EF7723D1}" type="datetimeFigureOut">
               <a:rPr lang="en-US" smtClean="0"/>
-              <a:t>7/1/2011</a:t>
+              <a:t>7/20/2011</a:t>
             </a:fld>
             <a:endParaRPr lang="en-US"/>
           </a:p>
@@ -2332,7 +2332,7 @@
           <a:p>
             <a:fld id="{82C9C69D-79B9-4A42-AE88-4729EF7723D1}" type="datetimeFigureOut">
               <a:rPr lang="en-US" smtClean="0"/>
-              <a:t>7/1/2011</a:t>
+              <a:t>7/20/2011</a:t>
             </a:fld>
             <a:endParaRPr lang="en-US"/>
           </a:p>
@@ -2450,7 +2450,7 @@
           <a:p>
             <a:fld id="{82C9C69D-79B9-4A42-AE88-4729EF7723D1}" type="datetimeFigureOut">
               <a:rPr lang="en-US" smtClean="0"/>
-              <a:t>7/1/2011</a:t>
+              <a:t>7/20/2011</a:t>
             </a:fld>
             <a:endParaRPr lang="en-US"/>
           </a:p>
@@ -2545,7 +2545,7 @@
           <a:p>
             <a:fld id="{82C9C69D-79B9-4A42-AE88-4729EF7723D1}" type="datetimeFigureOut">
               <a:rPr lang="en-US" smtClean="0"/>
-              <a:t>7/1/2011</a:t>
+              <a:t>7/20/2011</a:t>
             </a:fld>
             <a:endParaRPr lang="en-US"/>
           </a:p>
@@ -2822,7 +2822,7 @@
           <a:p>
             <a:fld id="{82C9C69D-79B9-4A42-AE88-4729EF7723D1}" type="datetimeFigureOut">
               <a:rPr lang="en-US" smtClean="0"/>
-              <a:t>7/1/2011</a:t>
+              <a:t>7/20/2011</a:t>
             </a:fld>
             <a:endParaRPr lang="en-US"/>
           </a:p>
@@ -3075,7 +3075,7 @@
           <a:p>
             <a:fld id="{82C9C69D-79B9-4A42-AE88-4729EF7723D1}" type="datetimeFigureOut">
               <a:rPr lang="en-US" smtClean="0"/>
-              <a:t>7/1/2011</a:t>
+              <a:t>7/20/2011</a:t>
             </a:fld>
             <a:endParaRPr lang="en-US"/>
           </a:p>
@@ -3288,7 +3288,7 @@
           <a:p>
             <a:fld id="{82C9C69D-79B9-4A42-AE88-4729EF7723D1}" type="datetimeFigureOut">
               <a:rPr lang="en-US" smtClean="0"/>
-              <a:t>7/1/2011</a:t>
+              <a:t>7/20/2011</a:t>
             </a:fld>
             <a:endParaRPr lang="en-US"/>
           </a:p>
@@ -5584,16 +5584,12 @@
               <a:t>BRE likes an ribbon(bridge) which connects DEV, QA and </a:t>
             </a:r>
             <a:r>
-              <a:rPr lang="en-US" dirty="0" err="1" smtClean="0"/>
-              <a:t>RelEng</a:t>
-            </a:r>
-            <a:r>
               <a:rPr lang="en-US" dirty="0" smtClean="0"/>
-              <a:t>. BRE makes software build and release automatically and </a:t>
+              <a:t>Installer Eng. </a:t>
             </a:r>
             <a:r>
               <a:rPr lang="en-US" dirty="0" smtClean="0"/>
-              <a:t>smoothly.</a:t>
+              <a:t>BRE makes software build and release automatically and smoothly.</a:t>
             </a:r>
             <a:endParaRPr lang="en-US" dirty="0"/>
           </a:p>
@@ -5740,7 +5736,7 @@
         <p:spPr>
           <a:xfrm>
             <a:off x="5943600" y="4343400"/>
-            <a:ext cx="838200" cy="457200"/>
+            <a:ext cx="929224" cy="457200"/>
           </a:xfrm>
           <a:prstGeom prst="ellipse">
             <a:avLst/>
@@ -5768,8 +5764,12 @@
           <a:p>
             <a:pPr algn="ctr"/>
             <a:r>
+              <a:rPr lang="en-US" sz="1100" dirty="0" smtClean="0"/>
+              <a:t>Installer </a:t>
+            </a:r>
+            <a:r>
               <a:rPr lang="en-US" sz="1100" dirty="0" err="1" smtClean="0"/>
-              <a:t>RelEng</a:t>
+              <a:t>Eng</a:t>
             </a:r>
             <a:endParaRPr lang="en-US" sz="1100" dirty="0"/>
           </a:p>
@@ -5926,7 +5926,7 @@
         <p:spPr>
           <a:xfrm flipV="1">
             <a:off x="5715000" y="4733645"/>
-            <a:ext cx="351352" cy="371755"/>
+            <a:ext cx="364682" cy="371756"/>
           </a:xfrm>
           <a:prstGeom prst="straightConnector1">
             <a:avLst/>
@@ -5960,8 +5960,8 @@
         </p:nvCxnSpPr>
         <p:spPr>
           <a:xfrm>
-            <a:off x="6659048" y="4733645"/>
-            <a:ext cx="427552" cy="371755"/>
+            <a:off x="6736742" y="4733645"/>
+            <a:ext cx="349858" cy="371755"/>
           </a:xfrm>
           <a:prstGeom prst="straightConnector1">
             <a:avLst/>
